--- a/Slides/Lecture06.pptx
+++ b/Slides/Lecture06.pptx
@@ -6,8 +6,13 @@
   </p:sldMasterIdLst>
   <p:sldIdLst>
     <p:sldId id="256" r:id="rId2"/>
-    <p:sldId id="258" r:id="rId3"/>
-    <p:sldId id="259" r:id="rId4"/>
+    <p:sldId id="260" r:id="rId3"/>
+    <p:sldId id="261" r:id="rId4"/>
+    <p:sldId id="262" r:id="rId5"/>
+    <p:sldId id="263" r:id="rId6"/>
+    <p:sldId id="264" r:id="rId7"/>
+    <p:sldId id="265" r:id="rId8"/>
+    <p:sldId id="259" r:id="rId9"/>
   </p:sldIdLst>
   <p:sldSz cx="12192000" cy="6858000"/>
   <p:notesSz cx="6858000" cy="9144000"/>
@@ -245,7 +250,7 @@
           <a:p>
             <a:fld id="{BEAF3131-2AB6-4B60-9FCF-7135CEFCF1B1}" type="datetimeFigureOut">
               <a:rPr lang="en-US" smtClean="0"/>
-              <a:t>3/29/2022</a:t>
+              <a:t>4/7/2022</a:t>
             </a:fld>
             <a:endParaRPr lang="en-US"/>
           </a:p>
@@ -415,7 +420,7 @@
           <a:p>
             <a:fld id="{BEAF3131-2AB6-4B60-9FCF-7135CEFCF1B1}" type="datetimeFigureOut">
               <a:rPr lang="en-US" smtClean="0"/>
-              <a:t>3/29/2022</a:t>
+              <a:t>4/7/2022</a:t>
             </a:fld>
             <a:endParaRPr lang="en-US"/>
           </a:p>
@@ -595,7 +600,7 @@
           <a:p>
             <a:fld id="{BEAF3131-2AB6-4B60-9FCF-7135CEFCF1B1}" type="datetimeFigureOut">
               <a:rPr lang="en-US" smtClean="0"/>
-              <a:t>3/29/2022</a:t>
+              <a:t>4/7/2022</a:t>
             </a:fld>
             <a:endParaRPr lang="en-US"/>
           </a:p>
@@ -765,7 +770,7 @@
           <a:p>
             <a:fld id="{BEAF3131-2AB6-4B60-9FCF-7135CEFCF1B1}" type="datetimeFigureOut">
               <a:rPr lang="en-US" smtClean="0"/>
-              <a:t>3/29/2022</a:t>
+              <a:t>4/7/2022</a:t>
             </a:fld>
             <a:endParaRPr lang="en-US"/>
           </a:p>
@@ -1011,7 +1016,7 @@
           <a:p>
             <a:fld id="{BEAF3131-2AB6-4B60-9FCF-7135CEFCF1B1}" type="datetimeFigureOut">
               <a:rPr lang="en-US" smtClean="0"/>
-              <a:t>3/29/2022</a:t>
+              <a:t>4/7/2022</a:t>
             </a:fld>
             <a:endParaRPr lang="en-US"/>
           </a:p>
@@ -1243,7 +1248,7 @@
           <a:p>
             <a:fld id="{BEAF3131-2AB6-4B60-9FCF-7135CEFCF1B1}" type="datetimeFigureOut">
               <a:rPr lang="en-US" smtClean="0"/>
-              <a:t>3/29/2022</a:t>
+              <a:t>4/7/2022</a:t>
             </a:fld>
             <a:endParaRPr lang="en-US"/>
           </a:p>
@@ -1610,7 +1615,7 @@
           <a:p>
             <a:fld id="{BEAF3131-2AB6-4B60-9FCF-7135CEFCF1B1}" type="datetimeFigureOut">
               <a:rPr lang="en-US" smtClean="0"/>
-              <a:t>3/29/2022</a:t>
+              <a:t>4/7/2022</a:t>
             </a:fld>
             <a:endParaRPr lang="en-US"/>
           </a:p>
@@ -1728,7 +1733,7 @@
           <a:p>
             <a:fld id="{BEAF3131-2AB6-4B60-9FCF-7135CEFCF1B1}" type="datetimeFigureOut">
               <a:rPr lang="en-US" smtClean="0"/>
-              <a:t>3/29/2022</a:t>
+              <a:t>4/7/2022</a:t>
             </a:fld>
             <a:endParaRPr lang="en-US"/>
           </a:p>
@@ -1823,7 +1828,7 @@
           <a:p>
             <a:fld id="{BEAF3131-2AB6-4B60-9FCF-7135CEFCF1B1}" type="datetimeFigureOut">
               <a:rPr lang="en-US" smtClean="0"/>
-              <a:t>3/29/2022</a:t>
+              <a:t>4/7/2022</a:t>
             </a:fld>
             <a:endParaRPr lang="en-US"/>
           </a:p>
@@ -2100,7 +2105,7 @@
           <a:p>
             <a:fld id="{BEAF3131-2AB6-4B60-9FCF-7135CEFCF1B1}" type="datetimeFigureOut">
               <a:rPr lang="en-US" smtClean="0"/>
-              <a:t>3/29/2022</a:t>
+              <a:t>4/7/2022</a:t>
             </a:fld>
             <a:endParaRPr lang="en-US"/>
           </a:p>
@@ -2353,7 +2358,7 @@
           <a:p>
             <a:fld id="{BEAF3131-2AB6-4B60-9FCF-7135CEFCF1B1}" type="datetimeFigureOut">
               <a:rPr lang="en-US" smtClean="0"/>
-              <a:t>3/29/2022</a:t>
+              <a:t>4/7/2022</a:t>
             </a:fld>
             <a:endParaRPr lang="en-US"/>
           </a:p>
@@ -2566,7 +2571,7 @@
           <a:p>
             <a:fld id="{BEAF3131-2AB6-4B60-9FCF-7135CEFCF1B1}" type="datetimeFigureOut">
               <a:rPr lang="en-US" smtClean="0"/>
-              <a:t>3/29/2022</a:t>
+              <a:t>4/7/2022</a:t>
             </a:fld>
             <a:endParaRPr lang="en-US"/>
           </a:p>
@@ -2983,8 +2988,8 @@
         </p:nvSpPr>
         <p:spPr>
           <a:xfrm>
-            <a:off x="1551709" y="2558473"/>
-            <a:ext cx="9144000" cy="1034618"/>
+            <a:off x="1468582" y="1907454"/>
+            <a:ext cx="9144000" cy="2387600"/>
           </a:xfrm>
         </p:spPr>
         <p:txBody>
@@ -2993,15 +2998,14 @@
           <a:p>
             <a:r>
               <a:rPr lang="en-GB" dirty="0" smtClean="0"/>
+              <a:t>Components</a:t>
+            </a:r>
+            <a:br>
+              <a:rPr lang="en-GB" dirty="0" smtClean="0"/>
+            </a:br>
+            <a:r>
+              <a:rPr lang="en-GB" dirty="0" smtClean="0"/>
               <a:t>React Native</a:t>
-            </a:r>
-            <a:r>
-              <a:rPr lang="en-US" dirty="0"/>
-              <a:t> </a:t>
-            </a:r>
-            <a:r>
-              <a:rPr lang="en-US" dirty="0" smtClean="0"/>
-              <a:t>Components</a:t>
             </a:r>
             <a:endParaRPr lang="en-US" dirty="0"/>
           </a:p>
@@ -3053,10 +3057,10 @@
           <a:lstStyle/>
           <a:p>
             <a:r>
-              <a:rPr lang="en-GB" dirty="0" smtClean="0"/>
-              <a:t>Components</a:t>
-            </a:r>
-            <a:endParaRPr lang="en-US" dirty="0"/>
+              <a:rPr lang="en-US" b="1" dirty="0" err="1"/>
+              <a:t>TextInput</a:t>
+            </a:r>
+            <a:endParaRPr lang="en-US" b="1" dirty="0"/>
           </a:p>
         </p:txBody>
       </p:sp>
@@ -3078,17 +3082,88 @@
           <a:lstStyle/>
           <a:p>
             <a:r>
+              <a:rPr lang="en-GB" dirty="0"/>
+              <a:t>A foundational component for inputting text into the app via a keyboard. </a:t>
+            </a:r>
+            <a:endParaRPr lang="en-GB" dirty="0" smtClean="0"/>
+          </a:p>
+          <a:p>
+            <a:r>
+              <a:rPr lang="en-GB" dirty="0" smtClean="0"/>
+              <a:t>Props:</a:t>
+            </a:r>
+          </a:p>
+          <a:p>
+            <a:pPr lvl="1"/>
+            <a:r>
+              <a:rPr lang="en-GB" dirty="0" smtClean="0"/>
+              <a:t>value</a:t>
+            </a:r>
+          </a:p>
+          <a:p>
+            <a:pPr lvl="1"/>
+            <a:r>
               <a:rPr lang="en-GB" dirty="0" err="1" smtClean="0"/>
-              <a:t>TextInput</a:t>
-            </a:r>
+              <a:t>autoComplete</a:t>
+            </a:r>
+            <a:r>
+              <a:rPr lang="en-GB" dirty="0" smtClean="0"/>
+              <a:t>(android)</a:t>
+            </a:r>
+          </a:p>
+          <a:p>
+            <a:pPr lvl="1"/>
+            <a:r>
+              <a:rPr lang="en-GB" dirty="0" err="1" smtClean="0"/>
+              <a:t>autoCorrect</a:t>
+            </a:r>
+            <a:endParaRPr lang="en-GB" dirty="0" smtClean="0"/>
+          </a:p>
+          <a:p>
+            <a:pPr lvl="1"/>
+            <a:r>
+              <a:rPr lang="en-GB" dirty="0" err="1"/>
+              <a:t>onChangeText</a:t>
+            </a:r>
+            <a:r>
+              <a:rPr lang="en-GB" dirty="0" smtClean="0"/>
+              <a:t/>
+            </a:r>
+            <a:br>
+              <a:rPr lang="en-GB" dirty="0" smtClean="0"/>
+            </a:br>
             <a:endParaRPr lang="en-US" dirty="0"/>
           </a:p>
         </p:txBody>
       </p:sp>
+      <p:pic>
+        <p:nvPicPr>
+          <p:cNvPr id="4" name="Picture 3"/>
+          <p:cNvPicPr>
+            <a:picLocks noChangeAspect="1"/>
+          </p:cNvPicPr>
+          <p:nvPr/>
+        </p:nvPicPr>
+        <p:blipFill>
+          <a:blip r:embed="rId2"/>
+          <a:stretch>
+            <a:fillRect/>
+          </a:stretch>
+        </p:blipFill>
+        <p:spPr>
+          <a:xfrm>
+            <a:off x="7668779" y="2318039"/>
+            <a:ext cx="4301547" cy="1912216"/>
+          </a:xfrm>
+          <a:prstGeom prst="rect">
+            <a:avLst/>
+          </a:prstGeom>
+        </p:spPr>
+      </p:pic>
     </p:spTree>
     <p:extLst>
       <p:ext uri="{BB962C8B-B14F-4D97-AF65-F5344CB8AC3E}">
-        <p14:creationId xmlns:p14="http://schemas.microsoft.com/office/powerpoint/2010/main" val="2011736585"/>
+        <p14:creationId xmlns:p14="http://schemas.microsoft.com/office/powerpoint/2010/main" val="2256818709"/>
       </p:ext>
     </p:extLst>
   </p:cSld>
@@ -3131,14 +3206,10 @@
           <a:lstStyle/>
           <a:p>
             <a:r>
-              <a:rPr lang="en-GB" dirty="0"/>
-              <a:t>R</a:t>
-            </a:r>
-            <a:r>
-              <a:rPr lang="en-GB" dirty="0" smtClean="0"/>
-              <a:t>eferences</a:t>
-            </a:r>
-            <a:endParaRPr lang="en-US" dirty="0"/>
+              <a:rPr lang="en-US" b="1" dirty="0" smtClean="0"/>
+              <a:t>Switch</a:t>
+            </a:r>
+            <a:endParaRPr lang="en-US" b="1" dirty="0"/>
           </a:p>
         </p:txBody>
       </p:sp>
@@ -3159,24 +3230,891 @@
           </a:bodyPr>
           <a:lstStyle/>
           <a:p>
+            <a:r>
+              <a:rPr lang="en-GB" dirty="0"/>
+              <a:t>This is a controlled component that requires </a:t>
+            </a:r>
+            <a:r>
+              <a:rPr lang="en-GB" dirty="0" smtClean="0"/>
+              <a:t>an</a:t>
+            </a:r>
+            <a:br>
+              <a:rPr lang="en-GB" dirty="0" smtClean="0"/>
+            </a:br>
+            <a:r>
+              <a:rPr lang="en-GB" dirty="0" smtClean="0"/>
+              <a:t> </a:t>
+            </a:r>
+            <a:r>
+              <a:rPr lang="en-GB" dirty="0" err="1"/>
+              <a:t>onValueChange</a:t>
+            </a:r>
+            <a:r>
+              <a:rPr lang="en-GB" dirty="0"/>
+              <a:t> </a:t>
+            </a:r>
+            <a:r>
+              <a:rPr lang="en-GB" dirty="0" err="1"/>
+              <a:t>callback</a:t>
+            </a:r>
+            <a:r>
+              <a:rPr lang="en-GB" dirty="0"/>
+              <a:t> that updates </a:t>
+            </a:r>
+            <a:r>
+              <a:rPr lang="en-GB" dirty="0" smtClean="0"/>
+              <a:t/>
+            </a:r>
+            <a:br>
+              <a:rPr lang="en-GB" dirty="0" smtClean="0"/>
+            </a:br>
+            <a:r>
+              <a:rPr lang="en-GB" dirty="0" smtClean="0"/>
+              <a:t>the </a:t>
+            </a:r>
+            <a:r>
+              <a:rPr lang="en-GB" dirty="0"/>
+              <a:t>value prop in order for the </a:t>
+            </a:r>
+            <a:r>
+              <a:rPr lang="en-GB" dirty="0" smtClean="0"/>
+              <a:t>component</a:t>
+            </a:r>
+            <a:br>
+              <a:rPr lang="en-GB" dirty="0" smtClean="0"/>
+            </a:br>
+            <a:r>
+              <a:rPr lang="en-GB" dirty="0" smtClean="0"/>
+              <a:t> </a:t>
+            </a:r>
+            <a:r>
+              <a:rPr lang="en-GB" dirty="0"/>
+              <a:t>to reflect user actions</a:t>
+            </a:r>
+            <a:r>
+              <a:rPr lang="en-GB" dirty="0" smtClean="0"/>
+              <a:t>.</a:t>
+            </a:r>
+          </a:p>
+          <a:p>
+            <a:r>
+              <a:rPr lang="en-GB" dirty="0" smtClean="0"/>
+              <a:t>Props</a:t>
+            </a:r>
+          </a:p>
+          <a:p>
+            <a:pPr lvl="1"/>
+            <a:r>
+              <a:rPr lang="en-GB" dirty="0" smtClean="0"/>
+              <a:t>Disabled</a:t>
+            </a:r>
+          </a:p>
+          <a:p>
+            <a:pPr lvl="1"/>
+            <a:r>
+              <a:rPr lang="en-GB" dirty="0" err="1" smtClean="0"/>
+              <a:t>onValueChange</a:t>
+            </a:r>
+            <a:endParaRPr lang="en-GB" dirty="0" smtClean="0"/>
+          </a:p>
+          <a:p>
+            <a:pPr lvl="1"/>
+            <a:r>
+              <a:rPr lang="en-GB" dirty="0" err="1" smtClean="0"/>
+              <a:t>thumbColor</a:t>
+            </a:r>
+            <a:r>
+              <a:rPr lang="en-GB" dirty="0" smtClean="0"/>
+              <a:t> (foreground switch)</a:t>
+            </a:r>
+          </a:p>
+          <a:p>
+            <a:pPr lvl="1"/>
+            <a:r>
+              <a:rPr lang="en-GB" dirty="0"/>
+              <a:t>value</a:t>
+            </a:r>
+            <a:r>
+              <a:rPr lang="en-GB" dirty="0" smtClean="0"/>
+              <a:t/>
+            </a:r>
+            <a:br>
+              <a:rPr lang="en-GB" dirty="0" smtClean="0"/>
+            </a:br>
+            <a:endParaRPr lang="en-US" dirty="0"/>
+          </a:p>
+        </p:txBody>
+      </p:sp>
+      <p:pic>
+        <p:nvPicPr>
+          <p:cNvPr id="7" name="Picture 6"/>
+          <p:cNvPicPr>
+            <a:picLocks noChangeAspect="1"/>
+          </p:cNvPicPr>
+          <p:nvPr/>
+        </p:nvPicPr>
+        <p:blipFill>
+          <a:blip r:embed="rId2"/>
+          <a:stretch>
+            <a:fillRect/>
+          </a:stretch>
+        </p:blipFill>
+        <p:spPr>
+          <a:xfrm>
+            <a:off x="8533677" y="4712133"/>
+            <a:ext cx="962025" cy="352425"/>
+          </a:xfrm>
+          <a:prstGeom prst="rect">
+            <a:avLst/>
+          </a:prstGeom>
+        </p:spPr>
+      </p:pic>
+      <p:cxnSp>
+        <p:nvCxnSpPr>
+          <p:cNvPr id="9" name="Straight Arrow Connector 8"/>
+          <p:cNvCxnSpPr/>
+          <p:nvPr/>
+        </p:nvCxnSpPr>
+        <p:spPr>
+          <a:xfrm flipH="1">
+            <a:off x="5671127" y="4839855"/>
+            <a:ext cx="3075709" cy="92363"/>
+          </a:xfrm>
+          <a:prstGeom prst="straightConnector1">
+            <a:avLst/>
+          </a:prstGeom>
+          <a:ln>
+            <a:tailEnd type="triangle"/>
+          </a:ln>
+        </p:spPr>
+        <p:style>
+          <a:lnRef idx="1">
+            <a:schemeClr val="accent1"/>
+          </a:lnRef>
+          <a:fillRef idx="0">
+            <a:schemeClr val="accent1"/>
+          </a:fillRef>
+          <a:effectRef idx="0">
+            <a:schemeClr val="accent1"/>
+          </a:effectRef>
+          <a:fontRef idx="minor">
+            <a:schemeClr val="tx1"/>
+          </a:fontRef>
+        </p:style>
+      </p:cxnSp>
+    </p:spTree>
+    <p:extLst>
+      <p:ext uri="{BB962C8B-B14F-4D97-AF65-F5344CB8AC3E}">
+        <p14:creationId xmlns:p14="http://schemas.microsoft.com/office/powerpoint/2010/main" val="3521056506"/>
+      </p:ext>
+    </p:extLst>
+  </p:cSld>
+  <p:clrMapOvr>
+    <a:masterClrMapping/>
+  </p:clrMapOvr>
+</p:sld>
+</file>
+
+<file path=ppt/slides/slide4.xml><?xml version="1.0" encoding="utf-8"?>
+<p:sld xmlns:a="http://schemas.openxmlformats.org/drawingml/2006/main" xmlns:r="http://schemas.openxmlformats.org/officeDocument/2006/relationships" xmlns:p="http://schemas.openxmlformats.org/presentationml/2006/main">
+  <p:cSld>
+    <p:spTree>
+      <p:nvGrpSpPr>
+        <p:cNvPr id="1" name=""/>
+        <p:cNvGrpSpPr/>
+        <p:nvPr/>
+      </p:nvGrpSpPr>
+      <p:grpSpPr>
+        <a:xfrm>
+          <a:off x="0" y="0"/>
+          <a:ext cx="0" cy="0"/>
+          <a:chOff x="0" y="0"/>
+          <a:chExt cx="0" cy="0"/>
+        </a:xfrm>
+      </p:grpSpPr>
+      <p:sp>
+        <p:nvSpPr>
+          <p:cNvPr id="2" name="Title 1"/>
+          <p:cNvSpPr>
+            <a:spLocks noGrp="1"/>
+          </p:cNvSpPr>
+          <p:nvPr>
+            <p:ph type="title"/>
+          </p:nvPr>
+        </p:nvSpPr>
+        <p:spPr/>
+        <p:txBody>
+          <a:bodyPr/>
+          <a:lstStyle/>
+          <a:p>
+            <a:r>
+              <a:rPr lang="en-US" b="1" dirty="0" err="1" smtClean="0"/>
+              <a:t>FlatList</a:t>
+            </a:r>
+            <a:endParaRPr lang="en-US" b="1" dirty="0"/>
+          </a:p>
+        </p:txBody>
+      </p:sp>
+      <p:sp>
+        <p:nvSpPr>
+          <p:cNvPr id="3" name="Content Placeholder 2"/>
+          <p:cNvSpPr>
+            <a:spLocks noGrp="1"/>
+          </p:cNvSpPr>
+          <p:nvPr>
+            <p:ph idx="1"/>
+          </p:nvPr>
+        </p:nvSpPr>
+        <p:spPr/>
+        <p:txBody>
+          <a:bodyPr>
+            <a:normAutofit/>
+          </a:bodyPr>
+          <a:lstStyle/>
+          <a:p>
+            <a:r>
+              <a:rPr lang="en-GB" dirty="0" smtClean="0"/>
+              <a:t>For rendering basic flat lists</a:t>
+            </a:r>
+          </a:p>
+          <a:p>
+            <a:r>
+              <a:rPr lang="en-GB" dirty="0" smtClean="0"/>
+              <a:t>Props</a:t>
+            </a:r>
+          </a:p>
+          <a:p>
+            <a:pPr lvl="1"/>
+            <a:r>
+              <a:rPr lang="en-GB" dirty="0" err="1" smtClean="0"/>
+              <a:t>renderItem</a:t>
+            </a:r>
+            <a:r>
+              <a:rPr lang="en-GB" dirty="0" smtClean="0"/>
+              <a:t>   (required)</a:t>
+            </a:r>
+          </a:p>
+          <a:p>
+            <a:pPr lvl="1"/>
+            <a:r>
+              <a:rPr lang="en-GB" dirty="0" smtClean="0"/>
+              <a:t>Data (required)</a:t>
+            </a:r>
+          </a:p>
+          <a:p>
+            <a:pPr lvl="1"/>
+            <a:r>
+              <a:rPr lang="en-GB" dirty="0" err="1" smtClean="0"/>
+              <a:t>keyExtractor</a:t>
+            </a:r>
+            <a:endParaRPr lang="en-GB" dirty="0" smtClean="0"/>
+          </a:p>
+          <a:p>
+            <a:pPr lvl="1"/>
+            <a:r>
+              <a:rPr lang="en-GB" dirty="0" err="1" smtClean="0"/>
+              <a:t>ListEmptyComponent</a:t>
+            </a:r>
+            <a:endParaRPr lang="en-GB" dirty="0" smtClean="0"/>
+          </a:p>
+          <a:p>
+            <a:pPr lvl="1"/>
+            <a:r>
+              <a:rPr lang="en-GB" dirty="0" err="1" smtClean="0"/>
+              <a:t>ListFooterComponent</a:t>
+            </a:r>
+            <a:endParaRPr lang="en-GB" dirty="0" smtClean="0"/>
+          </a:p>
+          <a:p>
+            <a:pPr lvl="1"/>
+            <a:r>
+              <a:rPr lang="en-GB" dirty="0" err="1" smtClean="0"/>
+              <a:t>ListFooterComponentStyle</a:t>
+            </a:r>
+            <a:r>
+              <a:rPr lang="en-GB" dirty="0" smtClean="0"/>
+              <a:t/>
+            </a:r>
+            <a:br>
+              <a:rPr lang="en-GB" dirty="0" smtClean="0"/>
+            </a:br>
+            <a:endParaRPr lang="en-US" dirty="0"/>
+          </a:p>
+        </p:txBody>
+      </p:sp>
+    </p:spTree>
+    <p:extLst>
+      <p:ext uri="{BB962C8B-B14F-4D97-AF65-F5344CB8AC3E}">
+        <p14:creationId xmlns:p14="http://schemas.microsoft.com/office/powerpoint/2010/main" val="976631493"/>
+      </p:ext>
+    </p:extLst>
+  </p:cSld>
+  <p:clrMapOvr>
+    <a:masterClrMapping/>
+  </p:clrMapOvr>
+</p:sld>
+</file>
+
+<file path=ppt/slides/slide5.xml><?xml version="1.0" encoding="utf-8"?>
+<p:sld xmlns:a="http://schemas.openxmlformats.org/drawingml/2006/main" xmlns:r="http://schemas.openxmlformats.org/officeDocument/2006/relationships" xmlns:p="http://schemas.openxmlformats.org/presentationml/2006/main">
+  <p:cSld>
+    <p:spTree>
+      <p:nvGrpSpPr>
+        <p:cNvPr id="1" name=""/>
+        <p:cNvGrpSpPr/>
+        <p:nvPr/>
+      </p:nvGrpSpPr>
+      <p:grpSpPr>
+        <a:xfrm>
+          <a:off x="0" y="0"/>
+          <a:ext cx="0" cy="0"/>
+          <a:chOff x="0" y="0"/>
+          <a:chExt cx="0" cy="0"/>
+        </a:xfrm>
+      </p:grpSpPr>
+      <p:sp>
+        <p:nvSpPr>
+          <p:cNvPr id="2" name="Title 1"/>
+          <p:cNvSpPr>
+            <a:spLocks noGrp="1"/>
+          </p:cNvSpPr>
+          <p:nvPr>
+            <p:ph type="title"/>
+          </p:nvPr>
+        </p:nvSpPr>
+        <p:spPr/>
+        <p:txBody>
+          <a:bodyPr/>
+          <a:lstStyle/>
+          <a:p>
+            <a:r>
+              <a:rPr lang="en-US" b="1" dirty="0" err="1" smtClean="0"/>
+              <a:t>Pressable</a:t>
+            </a:r>
+            <a:endParaRPr lang="en-US" b="1" dirty="0"/>
+          </a:p>
+        </p:txBody>
+      </p:sp>
+      <p:sp>
+        <p:nvSpPr>
+          <p:cNvPr id="3" name="Content Placeholder 2"/>
+          <p:cNvSpPr>
+            <a:spLocks noGrp="1"/>
+          </p:cNvSpPr>
+          <p:nvPr>
+            <p:ph idx="1"/>
+          </p:nvPr>
+        </p:nvSpPr>
+        <p:spPr/>
+        <p:txBody>
+          <a:bodyPr>
+            <a:normAutofit lnSpcReduction="10000"/>
+          </a:bodyPr>
+          <a:lstStyle/>
+          <a:p>
+            <a:r>
+              <a:rPr lang="en-GB" dirty="0" err="1"/>
+              <a:t>Pressable</a:t>
+            </a:r>
+            <a:r>
+              <a:rPr lang="en-GB" dirty="0"/>
+              <a:t> is a Core Component wrapper that can detect various stages of press interactions on any of its defined children</a:t>
+            </a:r>
+            <a:r>
+              <a:rPr lang="en-GB" dirty="0" smtClean="0"/>
+              <a:t>.</a:t>
+            </a:r>
+          </a:p>
+          <a:p>
+            <a:r>
+              <a:rPr lang="en-GB" dirty="0" smtClean="0"/>
+              <a:t>Working</a:t>
+            </a:r>
+          </a:p>
+          <a:p>
+            <a:pPr lvl="1"/>
+            <a:r>
+              <a:rPr lang="en-GB" b="1" u="sng" dirty="0" err="1"/>
+              <a:t>onPressIn</a:t>
+            </a:r>
+            <a:r>
+              <a:rPr lang="en-GB" dirty="0"/>
+              <a:t> is called when a press is activated</a:t>
+            </a:r>
+            <a:r>
+              <a:rPr lang="en-GB" dirty="0" smtClean="0"/>
+              <a:t>.</a:t>
+            </a:r>
+          </a:p>
+          <a:p>
+            <a:pPr lvl="1"/>
+            <a:r>
+              <a:rPr lang="en-GB" b="1" u="sng" dirty="0" err="1"/>
+              <a:t>onPressOut</a:t>
+            </a:r>
+            <a:r>
+              <a:rPr lang="en-GB" dirty="0"/>
+              <a:t> is called when the press gesture is deactivated</a:t>
+            </a:r>
+            <a:r>
+              <a:rPr lang="en-GB" dirty="0" smtClean="0"/>
+              <a:t>.</a:t>
+            </a:r>
+          </a:p>
+          <a:p>
+            <a:pPr lvl="1"/>
+            <a:r>
+              <a:rPr lang="en-GB" dirty="0"/>
+              <a:t>After pressing </a:t>
+            </a:r>
+            <a:r>
+              <a:rPr lang="en-GB" dirty="0" err="1"/>
+              <a:t>onPressIn</a:t>
+            </a:r>
+            <a:r>
+              <a:rPr lang="en-GB" dirty="0"/>
+              <a:t>, one of two things will happen:</a:t>
+            </a:r>
+          </a:p>
+          <a:p>
+            <a:pPr lvl="1"/>
+            <a:endParaRPr lang="en-GB" dirty="0"/>
+          </a:p>
+          <a:p>
+            <a:pPr lvl="2"/>
+            <a:r>
+              <a:rPr lang="en-GB" dirty="0"/>
+              <a:t>The person will remove their finger, triggering </a:t>
+            </a:r>
+            <a:r>
+              <a:rPr lang="en-GB" b="1" dirty="0" err="1"/>
+              <a:t>onPressOut</a:t>
+            </a:r>
+            <a:r>
+              <a:rPr lang="en-GB" dirty="0"/>
+              <a:t> followed by </a:t>
+            </a:r>
+            <a:r>
+              <a:rPr lang="en-GB" b="1" dirty="0" err="1"/>
+              <a:t>onPress</a:t>
+            </a:r>
+            <a:r>
+              <a:rPr lang="en-GB" dirty="0"/>
+              <a:t>.</a:t>
+            </a:r>
+          </a:p>
+          <a:p>
+            <a:pPr lvl="2"/>
+            <a:r>
+              <a:rPr lang="en-GB" dirty="0"/>
+              <a:t>If the person leaves their finger longer than 500 milliseconds before removing it, </a:t>
+            </a:r>
+            <a:r>
+              <a:rPr lang="en-GB" b="1" dirty="0" err="1"/>
+              <a:t>onLongPress</a:t>
+            </a:r>
+            <a:r>
+              <a:rPr lang="en-GB" dirty="0"/>
+              <a:t> is triggered. (</a:t>
+            </a:r>
+            <a:r>
+              <a:rPr lang="en-GB" b="1" dirty="0" err="1"/>
+              <a:t>onPressOut</a:t>
+            </a:r>
+            <a:r>
+              <a:rPr lang="en-GB" dirty="0"/>
+              <a:t> will still fire when they remove their finger.)</a:t>
+            </a:r>
+            <a:r>
+              <a:rPr lang="en-GB" dirty="0" smtClean="0"/>
+              <a:t/>
+            </a:r>
+            <a:br>
+              <a:rPr lang="en-GB" dirty="0" smtClean="0"/>
+            </a:br>
+            <a:r>
+              <a:rPr lang="en-GB" dirty="0" smtClean="0"/>
+              <a:t/>
+            </a:r>
+            <a:br>
+              <a:rPr lang="en-GB" dirty="0" smtClean="0"/>
+            </a:br>
+            <a:endParaRPr lang="en-US" dirty="0"/>
+          </a:p>
+        </p:txBody>
+      </p:sp>
+      <p:pic>
+        <p:nvPicPr>
+          <p:cNvPr id="4" name="Picture 3"/>
+          <p:cNvPicPr>
+            <a:picLocks noChangeAspect="1"/>
+          </p:cNvPicPr>
+          <p:nvPr/>
+        </p:nvPicPr>
+        <p:blipFill>
+          <a:blip r:embed="rId2"/>
+          <a:stretch>
+            <a:fillRect/>
+          </a:stretch>
+        </p:blipFill>
+        <p:spPr>
+          <a:xfrm>
+            <a:off x="7695046" y="5467494"/>
+            <a:ext cx="4191000" cy="1095375"/>
+          </a:xfrm>
+          <a:prstGeom prst="rect">
+            <a:avLst/>
+          </a:prstGeom>
+        </p:spPr>
+      </p:pic>
+    </p:spTree>
+    <p:extLst>
+      <p:ext uri="{BB962C8B-B14F-4D97-AF65-F5344CB8AC3E}">
+        <p14:creationId xmlns:p14="http://schemas.microsoft.com/office/powerpoint/2010/main" val="33363729"/>
+      </p:ext>
+    </p:extLst>
+  </p:cSld>
+  <p:clrMapOvr>
+    <a:masterClrMapping/>
+  </p:clrMapOvr>
+</p:sld>
+</file>
+
+<file path=ppt/slides/slide6.xml><?xml version="1.0" encoding="utf-8"?>
+<p:sld xmlns:a="http://schemas.openxmlformats.org/drawingml/2006/main" xmlns:r="http://schemas.openxmlformats.org/officeDocument/2006/relationships" xmlns:p="http://schemas.openxmlformats.org/presentationml/2006/main">
+  <p:cSld>
+    <p:spTree>
+      <p:nvGrpSpPr>
+        <p:cNvPr id="1" name=""/>
+        <p:cNvGrpSpPr/>
+        <p:nvPr/>
+      </p:nvGrpSpPr>
+      <p:grpSpPr>
+        <a:xfrm>
+          <a:off x="0" y="0"/>
+          <a:ext cx="0" cy="0"/>
+          <a:chOff x="0" y="0"/>
+          <a:chExt cx="0" cy="0"/>
+        </a:xfrm>
+      </p:grpSpPr>
+      <p:sp>
+        <p:nvSpPr>
+          <p:cNvPr id="2" name="Title 1"/>
+          <p:cNvSpPr>
+            <a:spLocks noGrp="1"/>
+          </p:cNvSpPr>
+          <p:nvPr>
+            <p:ph type="title"/>
+          </p:nvPr>
+        </p:nvSpPr>
+        <p:spPr/>
+        <p:txBody>
+          <a:bodyPr/>
+          <a:lstStyle/>
+          <a:p>
+            <a:endParaRPr lang="en-US"/>
+          </a:p>
+        </p:txBody>
+      </p:sp>
+      <p:sp>
+        <p:nvSpPr>
+          <p:cNvPr id="3" name="Content Placeholder 2"/>
+          <p:cNvSpPr>
+            <a:spLocks noGrp="1"/>
+          </p:cNvSpPr>
+          <p:nvPr>
+            <p:ph idx="1"/>
+          </p:nvPr>
+        </p:nvSpPr>
+        <p:spPr/>
+        <p:txBody>
+          <a:bodyPr/>
+          <a:lstStyle/>
+          <a:p>
+            <a:endParaRPr lang="en-US"/>
+          </a:p>
+        </p:txBody>
+      </p:sp>
+      <p:pic>
+        <p:nvPicPr>
+          <p:cNvPr id="4" name="Picture 3"/>
+          <p:cNvPicPr>
+            <a:picLocks noChangeAspect="1"/>
+          </p:cNvPicPr>
+          <p:nvPr/>
+        </p:nvPicPr>
+        <p:blipFill>
+          <a:blip r:embed="rId2"/>
+          <a:stretch>
+            <a:fillRect/>
+          </a:stretch>
+        </p:blipFill>
+        <p:spPr>
+          <a:xfrm>
+            <a:off x="676131" y="98425"/>
+            <a:ext cx="10980160" cy="6321280"/>
+          </a:xfrm>
+          <a:prstGeom prst="rect">
+            <a:avLst/>
+          </a:prstGeom>
+        </p:spPr>
+      </p:pic>
+    </p:spTree>
+    <p:extLst>
+      <p:ext uri="{BB962C8B-B14F-4D97-AF65-F5344CB8AC3E}">
+        <p14:creationId xmlns:p14="http://schemas.microsoft.com/office/powerpoint/2010/main" val="4151954663"/>
+      </p:ext>
+    </p:extLst>
+  </p:cSld>
+  <p:clrMapOvr>
+    <a:masterClrMapping/>
+  </p:clrMapOvr>
+</p:sld>
+</file>
+
+<file path=ppt/slides/slide7.xml><?xml version="1.0" encoding="utf-8"?>
+<p:sld xmlns:a="http://schemas.openxmlformats.org/drawingml/2006/main" xmlns:r="http://schemas.openxmlformats.org/officeDocument/2006/relationships" xmlns:p="http://schemas.openxmlformats.org/presentationml/2006/main">
+  <p:cSld>
+    <p:spTree>
+      <p:nvGrpSpPr>
+        <p:cNvPr id="1" name=""/>
+        <p:cNvGrpSpPr/>
+        <p:nvPr/>
+      </p:nvGrpSpPr>
+      <p:grpSpPr>
+        <a:xfrm>
+          <a:off x="0" y="0"/>
+          <a:ext cx="0" cy="0"/>
+          <a:chOff x="0" y="0"/>
+          <a:chExt cx="0" cy="0"/>
+        </a:xfrm>
+      </p:grpSpPr>
+      <p:sp>
+        <p:nvSpPr>
+          <p:cNvPr id="2" name="Title 1"/>
+          <p:cNvSpPr>
+            <a:spLocks noGrp="1"/>
+          </p:cNvSpPr>
+          <p:nvPr>
+            <p:ph type="title"/>
+          </p:nvPr>
+        </p:nvSpPr>
+        <p:spPr/>
+        <p:txBody>
+          <a:bodyPr/>
+          <a:lstStyle/>
+          <a:p>
+            <a:r>
+              <a:rPr lang="en-US" b="1" dirty="0" err="1" smtClean="0"/>
+              <a:t>Pressable</a:t>
+            </a:r>
+            <a:endParaRPr lang="en-US" b="1" dirty="0"/>
+          </a:p>
+        </p:txBody>
+      </p:sp>
+      <p:sp>
+        <p:nvSpPr>
+          <p:cNvPr id="3" name="Content Placeholder 2"/>
+          <p:cNvSpPr>
+            <a:spLocks noGrp="1"/>
+          </p:cNvSpPr>
+          <p:nvPr>
+            <p:ph idx="1"/>
+          </p:nvPr>
+        </p:nvSpPr>
+        <p:spPr/>
+        <p:txBody>
+          <a:bodyPr>
+            <a:normAutofit/>
+          </a:bodyPr>
+          <a:lstStyle/>
+          <a:p>
+            <a:r>
+              <a:rPr lang="en-GB" b="1" i="1" dirty="0" err="1"/>
+              <a:t>HitRect</a:t>
+            </a:r>
+            <a:r>
+              <a:rPr lang="en-GB" dirty="0"/>
+              <a:t> you can use to define how far a touch can register away from the wrapped element.</a:t>
+            </a:r>
+            <a:r>
+              <a:rPr lang="en-GB" dirty="0" smtClean="0"/>
+              <a:t/>
+            </a:r>
+            <a:br>
+              <a:rPr lang="en-GB" dirty="0" smtClean="0"/>
+            </a:br>
+            <a:r>
+              <a:rPr lang="en-GB" dirty="0" smtClean="0"/>
+              <a:t/>
+            </a:r>
+            <a:br>
+              <a:rPr lang="en-GB" dirty="0" smtClean="0"/>
+            </a:br>
+            <a:endParaRPr lang="en-US" dirty="0"/>
+          </a:p>
+        </p:txBody>
+      </p:sp>
+    </p:spTree>
+    <p:extLst>
+      <p:ext uri="{BB962C8B-B14F-4D97-AF65-F5344CB8AC3E}">
+        <p14:creationId xmlns:p14="http://schemas.microsoft.com/office/powerpoint/2010/main" val="2080722517"/>
+      </p:ext>
+    </p:extLst>
+  </p:cSld>
+  <p:clrMapOvr>
+    <a:masterClrMapping/>
+  </p:clrMapOvr>
+</p:sld>
+</file>
+
+<file path=ppt/slides/slide8.xml><?xml version="1.0" encoding="utf-8"?>
+<p:sld xmlns:a="http://schemas.openxmlformats.org/drawingml/2006/main" xmlns:r="http://schemas.openxmlformats.org/officeDocument/2006/relationships" xmlns:p="http://schemas.openxmlformats.org/presentationml/2006/main">
+  <p:cSld>
+    <p:spTree>
+      <p:nvGrpSpPr>
+        <p:cNvPr id="1" name=""/>
+        <p:cNvGrpSpPr/>
+        <p:nvPr/>
+      </p:nvGrpSpPr>
+      <p:grpSpPr>
+        <a:xfrm>
+          <a:off x="0" y="0"/>
+          <a:ext cx="0" cy="0"/>
+          <a:chOff x="0" y="0"/>
+          <a:chExt cx="0" cy="0"/>
+        </a:xfrm>
+      </p:grpSpPr>
+      <p:sp>
+        <p:nvSpPr>
+          <p:cNvPr id="2" name="Title 1"/>
+          <p:cNvSpPr>
+            <a:spLocks noGrp="1"/>
+          </p:cNvSpPr>
+          <p:nvPr>
+            <p:ph type="title"/>
+          </p:nvPr>
+        </p:nvSpPr>
+        <p:spPr/>
+        <p:txBody>
+          <a:bodyPr/>
+          <a:lstStyle/>
+          <a:p>
+            <a:r>
+              <a:rPr lang="en-GB" dirty="0"/>
+              <a:t>R</a:t>
+            </a:r>
+            <a:r>
+              <a:rPr lang="en-GB" dirty="0" smtClean="0"/>
+              <a:t>eferences</a:t>
+            </a:r>
+            <a:endParaRPr lang="en-US" dirty="0"/>
+          </a:p>
+        </p:txBody>
+      </p:sp>
+      <p:sp>
+        <p:nvSpPr>
+          <p:cNvPr id="3" name="Content Placeholder 2"/>
+          <p:cNvSpPr>
+            <a:spLocks noGrp="1"/>
+          </p:cNvSpPr>
+          <p:nvPr>
+            <p:ph idx="1"/>
+          </p:nvPr>
+        </p:nvSpPr>
+        <p:spPr/>
+        <p:txBody>
+          <a:bodyPr>
+            <a:normAutofit/>
+          </a:bodyPr>
+          <a:lstStyle/>
+          <a:p>
             <a:pPr marL="0" indent="0">
               <a:buNone/>
             </a:pPr>
             <a:r>
               <a:rPr lang="en-GB" dirty="0" smtClean="0"/>
-              <a:t>[1] Cheat Sheet: </a:t>
-            </a:r>
-            <a:r>
-              <a:rPr lang="en-GB" dirty="0">
+              <a:t>[</a:t>
+            </a:r>
+            <a:r>
+              <a:rPr lang="en-GB" smtClean="0"/>
+              <a:t>1</a:t>
+            </a:r>
+            <a:r>
+              <a:rPr lang="en-GB"/>
+              <a:t>] </a:t>
+            </a:r>
+            <a:r>
+              <a:rPr lang="en-GB">
                 <a:hlinkClick r:id="rId2"/>
               </a:rPr>
               <a:t>https://</a:t>
             </a:r>
             <a:r>
-              <a:rPr lang="en-GB" dirty="0" smtClean="0">
+              <a:rPr lang="en-GB" smtClean="0">
                 <a:hlinkClick r:id="rId2"/>
               </a:rPr>
-              <a:t>github.com/vhpoet/react-native-styling-cheat-sheet</a:t>
+              <a:t>reactnative.dev/docs/textinput</a:t>
+            </a:r>
+            <a:r>
+              <a:rPr lang="en-GB" smtClean="0"/>
+              <a:t> </a:t>
+            </a:r>
+            <a:endParaRPr lang="en-GB" dirty="0" smtClean="0"/>
+          </a:p>
+          <a:p>
+            <a:pPr marL="0" indent="0">
+              <a:buNone/>
+            </a:pPr>
+            <a:r>
+              <a:rPr lang="en-GB" dirty="0" smtClean="0"/>
+              <a:t>[</a:t>
+            </a:r>
+            <a:r>
+              <a:rPr lang="en-GB"/>
+              <a:t>2] </a:t>
+            </a:r>
+            <a:r>
+              <a:rPr lang="en-GB">
+                <a:hlinkClick r:id="rId3"/>
+              </a:rPr>
+              <a:t>https://</a:t>
+            </a:r>
+            <a:r>
+              <a:rPr lang="en-GB" smtClean="0">
+                <a:hlinkClick r:id="rId3"/>
+              </a:rPr>
+              <a:t>reactnative.dev/docs/switch</a:t>
+            </a:r>
+            <a:r>
+              <a:rPr lang="en-GB" smtClean="0"/>
+              <a:t> </a:t>
+            </a:r>
+            <a:endParaRPr lang="en-GB" dirty="0" smtClean="0"/>
+          </a:p>
+          <a:p>
+            <a:pPr marL="0" indent="0">
+              <a:buNone/>
+            </a:pPr>
+            <a:r>
+              <a:rPr lang="en-GB" dirty="0" smtClean="0"/>
+              <a:t>[</a:t>
+            </a:r>
+            <a:r>
+              <a:rPr lang="en-GB" dirty="0"/>
+              <a:t>3] </a:t>
+            </a:r>
+            <a:r>
+              <a:rPr lang="en-GB" dirty="0">
+                <a:hlinkClick r:id="rId4"/>
+              </a:rPr>
+              <a:t>https://</a:t>
+            </a:r>
+            <a:r>
+              <a:rPr lang="en-GB" dirty="0" smtClean="0">
+                <a:hlinkClick r:id="rId4"/>
+              </a:rPr>
+              <a:t>reactnative.dev/docs/flatlist</a:t>
             </a:r>
             <a:r>
               <a:rPr lang="en-GB" dirty="0" smtClean="0"/>
